--- a/Chapter7/Figures/Fig10.pptx
+++ b/Chapter7/Figures/Fig10.pptx
@@ -192,7 +192,7 @@
           <a:p>
             <a:fld id="{0A638334-5F19-4424-81CD-3ACCF023EB2E}" type="datetimeFigureOut">
               <a:rPr lang="en-GB" smtClean="0"/>
-              <a:t>04/06/2014</a:t>
+              <a:t>10/09/2014</a:t>
             </a:fld>
             <a:endParaRPr lang="en-GB"/>
           </a:p>
@@ -725,7 +725,7 @@
           <a:p>
             <a:fld id="{9E3CEFCE-5C0E-40C0-A7C1-72CAF3CE111C}" type="datetimeFigureOut">
               <a:rPr lang="en-GB" smtClean="0"/>
-              <a:t>04/06/2014</a:t>
+              <a:t>10/09/2014</a:t>
             </a:fld>
             <a:endParaRPr lang="en-GB"/>
           </a:p>
@@ -895,7 +895,7 @@
           <a:p>
             <a:fld id="{9E3CEFCE-5C0E-40C0-A7C1-72CAF3CE111C}" type="datetimeFigureOut">
               <a:rPr lang="en-GB" smtClean="0"/>
-              <a:t>04/06/2014</a:t>
+              <a:t>10/09/2014</a:t>
             </a:fld>
             <a:endParaRPr lang="en-GB"/>
           </a:p>
@@ -1075,7 +1075,7 @@
           <a:p>
             <a:fld id="{9E3CEFCE-5C0E-40C0-A7C1-72CAF3CE111C}" type="datetimeFigureOut">
               <a:rPr lang="en-GB" smtClean="0"/>
-              <a:t>04/06/2014</a:t>
+              <a:t>10/09/2014</a:t>
             </a:fld>
             <a:endParaRPr lang="en-GB"/>
           </a:p>
@@ -1245,7 +1245,7 @@
           <a:p>
             <a:fld id="{9E3CEFCE-5C0E-40C0-A7C1-72CAF3CE111C}" type="datetimeFigureOut">
               <a:rPr lang="en-GB" smtClean="0"/>
-              <a:t>04/06/2014</a:t>
+              <a:t>10/09/2014</a:t>
             </a:fld>
             <a:endParaRPr lang="en-GB"/>
           </a:p>
@@ -1491,7 +1491,7 @@
           <a:p>
             <a:fld id="{9E3CEFCE-5C0E-40C0-A7C1-72CAF3CE111C}" type="datetimeFigureOut">
               <a:rPr lang="en-GB" smtClean="0"/>
-              <a:t>04/06/2014</a:t>
+              <a:t>10/09/2014</a:t>
             </a:fld>
             <a:endParaRPr lang="en-GB"/>
           </a:p>
@@ -1779,7 +1779,7 @@
           <a:p>
             <a:fld id="{9E3CEFCE-5C0E-40C0-A7C1-72CAF3CE111C}" type="datetimeFigureOut">
               <a:rPr lang="en-GB" smtClean="0"/>
-              <a:t>04/06/2014</a:t>
+              <a:t>10/09/2014</a:t>
             </a:fld>
             <a:endParaRPr lang="en-GB"/>
           </a:p>
@@ -2201,7 +2201,7 @@
           <a:p>
             <a:fld id="{9E3CEFCE-5C0E-40C0-A7C1-72CAF3CE111C}" type="datetimeFigureOut">
               <a:rPr lang="en-GB" smtClean="0"/>
-              <a:t>04/06/2014</a:t>
+              <a:t>10/09/2014</a:t>
             </a:fld>
             <a:endParaRPr lang="en-GB"/>
           </a:p>
@@ -2319,7 +2319,7 @@
           <a:p>
             <a:fld id="{9E3CEFCE-5C0E-40C0-A7C1-72CAF3CE111C}" type="datetimeFigureOut">
               <a:rPr lang="en-GB" smtClean="0"/>
-              <a:t>04/06/2014</a:t>
+              <a:t>10/09/2014</a:t>
             </a:fld>
             <a:endParaRPr lang="en-GB"/>
           </a:p>
@@ -2414,7 +2414,7 @@
           <a:p>
             <a:fld id="{9E3CEFCE-5C0E-40C0-A7C1-72CAF3CE111C}" type="datetimeFigureOut">
               <a:rPr lang="en-GB" smtClean="0"/>
-              <a:t>04/06/2014</a:t>
+              <a:t>10/09/2014</a:t>
             </a:fld>
             <a:endParaRPr lang="en-GB"/>
           </a:p>
@@ -2691,7 +2691,7 @@
           <a:p>
             <a:fld id="{9E3CEFCE-5C0E-40C0-A7C1-72CAF3CE111C}" type="datetimeFigureOut">
               <a:rPr lang="en-GB" smtClean="0"/>
-              <a:t>04/06/2014</a:t>
+              <a:t>10/09/2014</a:t>
             </a:fld>
             <a:endParaRPr lang="en-GB"/>
           </a:p>
@@ -2944,7 +2944,7 @@
           <a:p>
             <a:fld id="{9E3CEFCE-5C0E-40C0-A7C1-72CAF3CE111C}" type="datetimeFigureOut">
               <a:rPr lang="en-GB" smtClean="0"/>
-              <a:t>04/06/2014</a:t>
+              <a:t>10/09/2014</a:t>
             </a:fld>
             <a:endParaRPr lang="en-GB"/>
           </a:p>
@@ -3157,7 +3157,7 @@
           <a:p>
             <a:fld id="{9E3CEFCE-5C0E-40C0-A7C1-72CAF3CE111C}" type="datetimeFigureOut">
               <a:rPr lang="en-GB" smtClean="0"/>
-              <a:t>04/06/2014</a:t>
+              <a:t>10/09/2014</a:t>
             </a:fld>
             <a:endParaRPr lang="en-GB"/>
           </a:p>
@@ -7881,8 +7881,8 @@
         </p:nvCxnSpPr>
         <p:spPr>
           <a:xfrm>
-            <a:off x="2470719" y="10187045"/>
-            <a:ext cx="0" cy="180000"/>
+            <a:off x="2470719" y="10008920"/>
+            <a:ext cx="0" cy="360000"/>
           </a:xfrm>
           <a:prstGeom prst="straightConnector1">
             <a:avLst/>
@@ -7893,7 +7893,7 @@
                 <a:lumMod val="50000"/>
               </a:schemeClr>
             </a:solidFill>
-            <a:tailEnd type="arrow" w="sm" len="sm"/>
+            <a:tailEnd type="arrow" w="lg" len="lg"/>
           </a:ln>
         </p:spPr>
         <p:style>
@@ -7919,8 +7919,8 @@
         </p:nvCxnSpPr>
         <p:spPr>
           <a:xfrm>
-            <a:off x="3500231" y="10585210"/>
-            <a:ext cx="0" cy="180000"/>
+            <a:off x="3500231" y="10407085"/>
+            <a:ext cx="0" cy="360000"/>
           </a:xfrm>
           <a:prstGeom prst="straightConnector1">
             <a:avLst/>
@@ -7929,7 +7929,7 @@
             <a:solidFill>
               <a:schemeClr val="tx1"/>
             </a:solidFill>
-            <a:tailEnd type="arrow" w="sm" len="sm"/>
+            <a:tailEnd type="arrow" w="lg" len="lg"/>
           </a:ln>
         </p:spPr>
         <p:style>
@@ -7955,8 +7955,8 @@
         </p:nvCxnSpPr>
         <p:spPr>
           <a:xfrm>
-            <a:off x="5817996" y="9674425"/>
-            <a:ext cx="0" cy="180000"/>
+            <a:off x="5817996" y="9496300"/>
+            <a:ext cx="0" cy="360000"/>
           </a:xfrm>
           <a:prstGeom prst="straightConnector1">
             <a:avLst/>
@@ -7967,7 +7967,7 @@
                 <a:lumMod val="50000"/>
               </a:schemeClr>
             </a:solidFill>
-            <a:tailEnd type="arrow" w="sm" len="sm"/>
+            <a:tailEnd type="arrow" w="lg" len="lg"/>
           </a:ln>
         </p:spPr>
         <p:style>
@@ -7993,8 +7993,8 @@
         </p:nvCxnSpPr>
         <p:spPr>
           <a:xfrm>
-            <a:off x="6061244" y="9971420"/>
-            <a:ext cx="0" cy="180000"/>
+            <a:off x="6061244" y="9793295"/>
+            <a:ext cx="0" cy="360000"/>
           </a:xfrm>
           <a:prstGeom prst="straightConnector1">
             <a:avLst/>
@@ -8003,7 +8003,7 @@
             <a:solidFill>
               <a:schemeClr val="tx1"/>
             </a:solidFill>
-            <a:tailEnd type="arrow" w="sm" len="sm"/>
+            <a:tailEnd type="arrow" w="lg" len="lg"/>
           </a:ln>
         </p:spPr>
         <p:style>
@@ -8029,8 +8029,8 @@
         </p:nvCxnSpPr>
         <p:spPr>
           <a:xfrm>
-            <a:off x="9316064" y="10276105"/>
-            <a:ext cx="0" cy="180000"/>
+            <a:off x="9316064" y="10097980"/>
+            <a:ext cx="0" cy="360000"/>
           </a:xfrm>
           <a:prstGeom prst="straightConnector1">
             <a:avLst/>
@@ -8041,7 +8041,7 @@
                 <a:lumMod val="50000"/>
               </a:schemeClr>
             </a:solidFill>
-            <a:tailEnd type="arrow" w="sm" len="sm"/>
+            <a:tailEnd type="arrow" w="lg" len="lg"/>
           </a:ln>
         </p:spPr>
         <p:style>
@@ -8067,8 +8067,8 @@
         </p:nvCxnSpPr>
         <p:spPr>
           <a:xfrm>
-            <a:off x="9680576" y="10804895"/>
-            <a:ext cx="0" cy="180000"/>
+            <a:off x="9680576" y="10626770"/>
+            <a:ext cx="0" cy="360000"/>
           </a:xfrm>
           <a:prstGeom prst="straightConnector1">
             <a:avLst/>
@@ -8077,7 +8077,7 @@
             <a:solidFill>
               <a:schemeClr val="tx1"/>
             </a:solidFill>
-            <a:tailEnd type="arrow" w="sm" len="sm"/>
+            <a:tailEnd type="arrow" w="lg" len="lg"/>
           </a:ln>
         </p:spPr>
         <p:style>

--- a/Chapter7/Figures/Fig10.pptx
+++ b/Chapter7/Figures/Fig10.pptx
@@ -192,7 +192,7 @@
           <a:p>
             <a:fld id="{0A638334-5F19-4424-81CD-3ACCF023EB2E}" type="datetimeFigureOut">
               <a:rPr lang="en-GB" smtClean="0"/>
-              <a:t>10/09/2014</a:t>
+              <a:t>29/10/2014</a:t>
             </a:fld>
             <a:endParaRPr lang="en-GB"/>
           </a:p>
@@ -725,7 +725,7 @@
           <a:p>
             <a:fld id="{9E3CEFCE-5C0E-40C0-A7C1-72CAF3CE111C}" type="datetimeFigureOut">
               <a:rPr lang="en-GB" smtClean="0"/>
-              <a:t>10/09/2014</a:t>
+              <a:t>29/10/2014</a:t>
             </a:fld>
             <a:endParaRPr lang="en-GB"/>
           </a:p>
@@ -895,7 +895,7 @@
           <a:p>
             <a:fld id="{9E3CEFCE-5C0E-40C0-A7C1-72CAF3CE111C}" type="datetimeFigureOut">
               <a:rPr lang="en-GB" smtClean="0"/>
-              <a:t>10/09/2014</a:t>
+              <a:t>29/10/2014</a:t>
             </a:fld>
             <a:endParaRPr lang="en-GB"/>
           </a:p>
@@ -1075,7 +1075,7 @@
           <a:p>
             <a:fld id="{9E3CEFCE-5C0E-40C0-A7C1-72CAF3CE111C}" type="datetimeFigureOut">
               <a:rPr lang="en-GB" smtClean="0"/>
-              <a:t>10/09/2014</a:t>
+              <a:t>29/10/2014</a:t>
             </a:fld>
             <a:endParaRPr lang="en-GB"/>
           </a:p>
@@ -1245,7 +1245,7 @@
           <a:p>
             <a:fld id="{9E3CEFCE-5C0E-40C0-A7C1-72CAF3CE111C}" type="datetimeFigureOut">
               <a:rPr lang="en-GB" smtClean="0"/>
-              <a:t>10/09/2014</a:t>
+              <a:t>29/10/2014</a:t>
             </a:fld>
             <a:endParaRPr lang="en-GB"/>
           </a:p>
@@ -1491,7 +1491,7 @@
           <a:p>
             <a:fld id="{9E3CEFCE-5C0E-40C0-A7C1-72CAF3CE111C}" type="datetimeFigureOut">
               <a:rPr lang="en-GB" smtClean="0"/>
-              <a:t>10/09/2014</a:t>
+              <a:t>29/10/2014</a:t>
             </a:fld>
             <a:endParaRPr lang="en-GB"/>
           </a:p>
@@ -1779,7 +1779,7 @@
           <a:p>
             <a:fld id="{9E3CEFCE-5C0E-40C0-A7C1-72CAF3CE111C}" type="datetimeFigureOut">
               <a:rPr lang="en-GB" smtClean="0"/>
-              <a:t>10/09/2014</a:t>
+              <a:t>29/10/2014</a:t>
             </a:fld>
             <a:endParaRPr lang="en-GB"/>
           </a:p>
@@ -2201,7 +2201,7 @@
           <a:p>
             <a:fld id="{9E3CEFCE-5C0E-40C0-A7C1-72CAF3CE111C}" type="datetimeFigureOut">
               <a:rPr lang="en-GB" smtClean="0"/>
-              <a:t>10/09/2014</a:t>
+              <a:t>29/10/2014</a:t>
             </a:fld>
             <a:endParaRPr lang="en-GB"/>
           </a:p>
@@ -2319,7 +2319,7 @@
           <a:p>
             <a:fld id="{9E3CEFCE-5C0E-40C0-A7C1-72CAF3CE111C}" type="datetimeFigureOut">
               <a:rPr lang="en-GB" smtClean="0"/>
-              <a:t>10/09/2014</a:t>
+              <a:t>29/10/2014</a:t>
             </a:fld>
             <a:endParaRPr lang="en-GB"/>
           </a:p>
@@ -2414,7 +2414,7 @@
           <a:p>
             <a:fld id="{9E3CEFCE-5C0E-40C0-A7C1-72CAF3CE111C}" type="datetimeFigureOut">
               <a:rPr lang="en-GB" smtClean="0"/>
-              <a:t>10/09/2014</a:t>
+              <a:t>29/10/2014</a:t>
             </a:fld>
             <a:endParaRPr lang="en-GB"/>
           </a:p>
@@ -2691,7 +2691,7 @@
           <a:p>
             <a:fld id="{9E3CEFCE-5C0E-40C0-A7C1-72CAF3CE111C}" type="datetimeFigureOut">
               <a:rPr lang="en-GB" smtClean="0"/>
-              <a:t>10/09/2014</a:t>
+              <a:t>29/10/2014</a:t>
             </a:fld>
             <a:endParaRPr lang="en-GB"/>
           </a:p>
@@ -2944,7 +2944,7 @@
           <a:p>
             <a:fld id="{9E3CEFCE-5C0E-40C0-A7C1-72CAF3CE111C}" type="datetimeFigureOut">
               <a:rPr lang="en-GB" smtClean="0"/>
-              <a:t>10/09/2014</a:t>
+              <a:t>29/10/2014</a:t>
             </a:fld>
             <a:endParaRPr lang="en-GB"/>
           </a:p>
@@ -3157,7 +3157,7 @@
           <a:p>
             <a:fld id="{9E3CEFCE-5C0E-40C0-A7C1-72CAF3CE111C}" type="datetimeFigureOut">
               <a:rPr lang="en-GB" smtClean="0"/>
-              <a:t>10/09/2014</a:t>
+              <a:t>29/10/2014</a:t>
             </a:fld>
             <a:endParaRPr lang="en-GB"/>
           </a:p>
@@ -8203,6 +8203,76 @@
           </a:fontRef>
         </p:style>
       </p:cxnSp>
+      <p:cxnSp>
+        <p:nvCxnSpPr>
+          <p:cNvPr id="37" name="Straight Connector 36"/>
+          <p:cNvCxnSpPr/>
+          <p:nvPr/>
+        </p:nvCxnSpPr>
+        <p:spPr>
+          <a:xfrm>
+            <a:off x="6728792" y="2458345"/>
+            <a:ext cx="777600" cy="0"/>
+          </a:xfrm>
+          <a:prstGeom prst="line">
+            <a:avLst/>
+          </a:prstGeom>
+          <a:ln w="57150">
+            <a:solidFill>
+              <a:schemeClr val="bg1"/>
+            </a:solidFill>
+          </a:ln>
+        </p:spPr>
+        <p:style>
+          <a:lnRef idx="1">
+            <a:schemeClr val="accent1"/>
+          </a:lnRef>
+          <a:fillRef idx="0">
+            <a:schemeClr val="accent1"/>
+          </a:fillRef>
+          <a:effectRef idx="0">
+            <a:schemeClr val="accent1"/>
+          </a:effectRef>
+          <a:fontRef idx="minor">
+            <a:schemeClr val="tx1"/>
+          </a:fontRef>
+        </p:style>
+      </p:cxnSp>
+      <p:cxnSp>
+        <p:nvCxnSpPr>
+          <p:cNvPr id="38" name="Straight Connector 37"/>
+          <p:cNvCxnSpPr/>
+          <p:nvPr/>
+        </p:nvCxnSpPr>
+        <p:spPr>
+          <a:xfrm>
+            <a:off x="10212687" y="2456519"/>
+            <a:ext cx="777600" cy="0"/>
+          </a:xfrm>
+          <a:prstGeom prst="line">
+            <a:avLst/>
+          </a:prstGeom>
+          <a:ln w="57150">
+            <a:solidFill>
+              <a:schemeClr val="bg1"/>
+            </a:solidFill>
+          </a:ln>
+        </p:spPr>
+        <p:style>
+          <a:lnRef idx="1">
+            <a:schemeClr val="accent1"/>
+          </a:lnRef>
+          <a:fillRef idx="0">
+            <a:schemeClr val="accent1"/>
+          </a:fillRef>
+          <a:effectRef idx="0">
+            <a:schemeClr val="accent1"/>
+          </a:effectRef>
+          <a:fontRef idx="minor">
+            <a:schemeClr val="tx1"/>
+          </a:fontRef>
+        </p:style>
+      </p:cxnSp>
     </p:spTree>
     <p:extLst>
       <p:ext uri="{BB962C8B-B14F-4D97-AF65-F5344CB8AC3E}">
